--- a/Assets/Others/Intro image.pptx
+++ b/Assets/Others/Intro image.pptx
@@ -28243,9 +28243,7 @@
           </a:prstGeom>
           <a:noFill/>
           <a:ln>
-            <a:solidFill>
-              <a:schemeClr val="bg1"/>
-            </a:solidFill>
+            <a:noFill/>
           </a:ln>
         </p:spPr>
         <p:style>
